--- a/Presentations/Alpha presentation/alphaPresentation.pptx
+++ b/Presentations/Alpha presentation/alphaPresentation.pptx
@@ -646,42 +646,27 @@
             </a:r>
           </a:p>
           <a:p>
-            <a:endParaRPr lang="en-GB" sz="1200" dirty="0"/>
-          </a:p>
-          <a:p>
             <a:r>
               <a:rPr lang="en-GB" sz="1200" dirty="0"/>
-              <a:t>The ingredients are on a moving conveyer belt, constantly rotating.</a:t>
+              <a:t>This idea is focused more on twitch mechanics over memory.</a:t>
             </a:r>
           </a:p>
           <a:p>
             <a:r>
               <a:rPr lang="en-GB" sz="1200" dirty="0"/>
-              <a:t>Players must select their required ingredient while the conveyer belt is moving.</a:t>
+              <a:t>It has the ingredients moving around on a conveyer belt, the player has to remember what ingredients they need, then click them before they leave their side of the screen.</a:t>
             </a:r>
           </a:p>
           <a:p>
             <a:r>
               <a:rPr lang="en-GB" sz="1200" dirty="0"/>
-              <a:t>One player gets one ingredient then the other player the next ingredient, this process goes on until they complete the recipe</a:t>
+              <a:t>This has the potential to have different difficulty settings that will change the speed of the conveyer belt to make it harder to tap the item you want. </a:t>
             </a:r>
           </a:p>
           <a:p>
             <a:r>
               <a:rPr lang="en-GB" sz="1200" dirty="0"/>
-              <a:t>Players must complete the recipe, the quicker the completion of the recipe, the better the score.</a:t>
-            </a:r>
-          </a:p>
-          <a:p>
-            <a:r>
-              <a:rPr lang="en-GB" sz="1200" dirty="0"/>
-              <a:t>Each recipe will have different ingredients and different completion times.</a:t>
-            </a:r>
-          </a:p>
-          <a:p>
-            <a:r>
-              <a:rPr lang="en-GB" sz="1200" dirty="0"/>
-              <a:t>Game will end if the players cannot complete the recipe in the required time.</a:t>
+              <a:t>The players will be timed, the faster they complete their recipe the more points they will get. If you run our of time you fail or recipe and the other player will win.</a:t>
             </a:r>
           </a:p>
           <a:p>
@@ -785,38 +770,25 @@
           <a:p>
             <a:r>
               <a:rPr lang="en-GB" sz="1200" dirty="0"/>
-              <a:t>The ingredients are on a moving conveyer belt, constantly rotating.</a:t>
+              <a:t>This game focuses more on having the player remember things, they will be shown a recipe card for a couple of seconds. The amount of ingredients on the recipe card will depend on the difficulty they have chosen.</a:t>
             </a:r>
           </a:p>
           <a:p>
             <a:r>
               <a:rPr lang="en-GB" sz="1200" dirty="0"/>
-              <a:t>Players must select their required ingredient while the conveyer belt is moving.</a:t>
+              <a:t>Each player will then take their turn remembering and selecting the ingredients needed for their recipe. Players will be scored on how many of the ingredients they get right. </a:t>
             </a:r>
           </a:p>
           <a:p>
             <a:r>
               <a:rPr lang="en-GB" sz="1200" dirty="0"/>
-              <a:t>One player gets one ingredient then the other player the next ingredient, this process goes on until they complete the recipe</a:t>
-            </a:r>
-          </a:p>
-          <a:p>
-            <a:r>
-              <a:rPr lang="en-GB" sz="1200" dirty="0"/>
-              <a:t>Players must complete the recipe, the quicker the completion of the recipe, the better the score.</a:t>
-            </a:r>
-          </a:p>
-          <a:p>
-            <a:r>
-              <a:rPr lang="en-GB" sz="1200" dirty="0"/>
-              <a:t>Each recipe will have different ingredients and different completion times.</a:t>
-            </a:r>
-          </a:p>
-          <a:p>
-            <a:r>
-              <a:rPr lang="en-GB" sz="1200" dirty="0"/>
-              <a:t>Game will end if the players cannot complete the recipe in the required time.</a:t>
-            </a:r>
+              <a:t>This idea is a lot more casual than the other one because the player can take their time and doesn’t have to click things quickly to get a </a:t>
+            </a:r>
+            <a:r>
+              <a:rPr lang="en-GB" sz="1200"/>
+              <a:t>better score.</a:t>
+            </a:r>
+            <a:endParaRPr lang="en-GB" sz="1200" dirty="0"/>
           </a:p>
           <a:p>
             <a:endParaRPr lang="en-GB" dirty="0"/>
@@ -5151,18 +5123,9 @@
   <p:clrMapOvr>
     <a:masterClrMapping/>
   </p:clrMapOvr>
-  <mc:AlternateContent xmlns:mc="http://schemas.openxmlformats.org/markup-compatibility/2006">
-    <mc:Choice xmlns:p14="http://schemas.microsoft.com/office/powerpoint/2010/main" Requires="p14">
-      <p:transition spd="med" p14:dur="700">
-        <p:fade/>
-      </p:transition>
-    </mc:Choice>
-    <mc:Fallback>
-      <p:transition spd="med">
-        <p:fade/>
-      </p:transition>
-    </mc:Fallback>
-  </mc:AlternateContent>
+  <p:transition spd="slow">
+    <p:push dir="u"/>
+  </p:transition>
 </p:sld>
 </file>
 
@@ -5480,18 +5443,9 @@
   <p:clrMapOvr>
     <a:masterClrMapping/>
   </p:clrMapOvr>
-  <mc:AlternateContent xmlns:mc="http://schemas.openxmlformats.org/markup-compatibility/2006" xmlns:p14="http://schemas.microsoft.com/office/powerpoint/2010/main">
-    <mc:Choice Requires="p14">
-      <p:transition spd="med" p14:dur="700">
-        <p:fade/>
-      </p:transition>
-    </mc:Choice>
-    <mc:Fallback xmlns="">
-      <p:transition spd="med">
-        <p:fade/>
-      </p:transition>
-    </mc:Fallback>
-  </mc:AlternateContent>
+  <p:transition>
+    <p:push dir="u"/>
+  </p:transition>
 </p:sld>
 </file>
 
@@ -5740,40 +5694,6 @@
       </p:sp>
       <p:pic>
         <p:nvPicPr>
-          <p:cNvPr id="7" name="Picture 6">
-            <a:extLst>
-              <a:ext uri="{FF2B5EF4-FFF2-40B4-BE49-F238E27FC236}">
-                <a16:creationId xmlns:a16="http://schemas.microsoft.com/office/drawing/2014/main" id="{FB84D3BD-239E-4585-9535-4D651985DE2B}"/>
-              </a:ext>
-            </a:extLst>
-          </p:cNvPr>
-          <p:cNvPicPr/>
-          <p:nvPr/>
-        </p:nvPicPr>
-        <p:blipFill>
-          <a:blip r:embed="rId3">
-            <a:extLst>
-              <a:ext uri="{28A0092B-C50C-407E-A947-70E740481C1C}">
-                <a14:useLocalDpi xmlns:a14="http://schemas.microsoft.com/office/drawing/2010/main" val="0"/>
-              </a:ext>
-            </a:extLst>
-          </a:blip>
-          <a:stretch>
-            <a:fillRect/>
-          </a:stretch>
-        </p:blipFill>
-        <p:spPr>
-          <a:xfrm rot="16200000">
-            <a:off x="932757" y="1141494"/>
-            <a:ext cx="3739128" cy="2104865"/>
-          </a:xfrm>
-          <a:prstGeom prst="rect">
-            <a:avLst/>
-          </a:prstGeom>
-        </p:spPr>
-      </p:pic>
-      <p:pic>
-        <p:nvPicPr>
           <p:cNvPr id="8" name="Picture 7">
             <a:extLst>
               <a:ext uri="{FF2B5EF4-FFF2-40B4-BE49-F238E27FC236}">
@@ -5785,8 +5705,52 @@
           <p:nvPr/>
         </p:nvPicPr>
         <p:blipFill>
-          <a:blip r:embed="rId4">
+          <a:blip r:embed="rId3">
             <a:extLst>
+              <a:ext uri="{BEBA8EAE-BF5A-486C-A8C5-ECC9F3942E4B}">
+                <a14:imgProps xmlns:a14="http://schemas.microsoft.com/office/drawing/2010/main">
+                  <a14:imgLayer r:embed="rId4">
+                    <a14:imgEffect>
+                      <a14:backgroundRemoval t="9945" b="98895" l="4044" r="96267">
+                        <a14:foregroundMark x1="22084" y1="67403" x2="17263" y2="82597"/>
+                        <a14:foregroundMark x1="17263" y1="82597" x2="7932" y2="87845"/>
+                        <a14:foregroundMark x1="7932" y1="87845" x2="15086" y2="98066"/>
+                        <a14:foregroundMark x1="15086" y1="98066" x2="24106" y2="85635"/>
+                        <a14:foregroundMark x1="24106" y1="85635" x2="22084" y2="64088"/>
+                        <a14:foregroundMark x1="22084" y1="64088" x2="6376" y2="87569"/>
+                        <a14:foregroundMark x1="6376" y1="87569" x2="4199" y2="97514"/>
+                        <a14:foregroundMark x1="86003" y1="72652" x2="85537" y2="95856"/>
+                        <a14:foregroundMark x1="85537" y1="95856" x2="87403" y2="79282"/>
+                        <a14:foregroundMark x1="87403" y1="79282" x2="76205" y2="74033"/>
+                        <a14:foregroundMark x1="76205" y1="74033" x2="77294" y2="94751"/>
+                        <a14:foregroundMark x1="77294" y1="94751" x2="86625" y2="90608"/>
+                        <a14:foregroundMark x1="86625" y1="90608" x2="82426" y2="67956"/>
+                        <a14:foregroundMark x1="82426" y1="67956" x2="77916" y2="87569"/>
+                        <a14:foregroundMark x1="77916" y1="87569" x2="82893" y2="73204"/>
+                        <a14:foregroundMark x1="82893" y1="73204" x2="86314" y2="93370"/>
+                        <a14:foregroundMark x1="86314" y1="93370" x2="89425" y2="77624"/>
+                        <a14:foregroundMark x1="89425" y1="77624" x2="90824" y2="98895"/>
+                        <a14:foregroundMark x1="93468" y1="83702" x2="96267" y2="98895"/>
+                        <a14:foregroundMark x1="79160" y1="61326" x2="68740" y2="66298"/>
+                        <a14:foregroundMark x1="68740" y1="66298" x2="23484" y2="58840"/>
+                        <a14:foregroundMark x1="23484" y1="58840" x2="22551" y2="42541"/>
+                        <a14:foregroundMark x1="22551" y1="42541" x2="31726" y2="32320"/>
+                        <a14:foregroundMark x1="31726" y1="32320" x2="41369" y2="31215"/>
+                        <a14:foregroundMark x1="41369" y1="31215" x2="51322" y2="31215"/>
+                        <a14:foregroundMark x1="51322" y1="31215" x2="72628" y2="30110"/>
+                        <a14:foregroundMark x1="72628" y1="30110" x2="76983" y2="45304"/>
+                        <a14:foregroundMark x1="76983" y1="45304" x2="77760" y2="59945"/>
+                        <a14:foregroundMark x1="81182" y1="59945" x2="80093" y2="39779"/>
+                        <a14:foregroundMark x1="80093" y1="39779" x2="73250" y2="24309"/>
+                        <a14:foregroundMark x1="73250" y1="24309" x2="24106" y2="21271"/>
+                        <a14:foregroundMark x1="76361" y1="25138" x2="53655" y2="21271"/>
+                        <a14:foregroundMark x1="70918" y1="26243" x2="71540" y2="22376"/>
+                        <a14:foregroundMark x1="70140" y1="22376" x2="66096" y2="21271"/>
+                      </a14:backgroundRemoval>
+                    </a14:imgEffect>
+                  </a14:imgLayer>
+                </a14:imgProps>
+              </a:ext>
               <a:ext uri="{28A0092B-C50C-407E-A947-70E740481C1C}">
                 <a14:useLocalDpi xmlns:a14="http://schemas.microsoft.com/office/drawing/2010/main" val="0"/>
               </a:ext>
@@ -5798,12 +5762,22 @@
         </p:blipFill>
         <p:spPr>
           <a:xfrm>
-            <a:off x="735526" y="4225030"/>
-            <a:ext cx="4133589" cy="2270600"/>
+            <a:off x="20112" y="1693591"/>
+            <a:ext cx="5600019" cy="3076117"/>
           </a:xfrm>
           <a:prstGeom prst="rect">
             <a:avLst/>
           </a:prstGeom>
+          <a:ln>
+            <a:noFill/>
+          </a:ln>
+          <a:effectLst>
+            <a:outerShdw blurRad="292100" dist="139700" dir="2700000" algn="tl" rotWithShape="0">
+              <a:srgbClr val="333333">
+                <a:alpha val="65000"/>
+              </a:srgbClr>
+            </a:outerShdw>
+          </a:effectLst>
         </p:spPr>
       </p:pic>
     </p:spTree>
@@ -5816,18 +5790,9 @@
   <p:clrMapOvr>
     <a:masterClrMapping/>
   </p:clrMapOvr>
-  <mc:AlternateContent xmlns:mc="http://schemas.openxmlformats.org/markup-compatibility/2006" xmlns:p14="http://schemas.microsoft.com/office/powerpoint/2010/main">
-    <mc:Choice Requires="p14">
-      <p:transition spd="med" p14:dur="700">
-        <p:fade/>
-      </p:transition>
-    </mc:Choice>
-    <mc:Fallback xmlns="">
-      <p:transition spd="med">
-        <p:fade/>
-      </p:transition>
-    </mc:Fallback>
-  </mc:AlternateContent>
+  <p:transition>
+    <p:push dir="u"/>
+  </p:transition>
 </p:sld>
 </file>
 
@@ -5924,8 +5889,8 @@
         </p:blipFill>
         <p:spPr bwMode="auto">
           <a:xfrm>
-            <a:off x="4346827" y="3429000"/>
-            <a:ext cx="3547576" cy="3547576"/>
+            <a:off x="4596615" y="3539989"/>
+            <a:ext cx="3054870" cy="3054870"/>
           </a:xfrm>
           <a:prstGeom prst="rect">
             <a:avLst/>
@@ -6125,7 +6090,7 @@
         </p:nvSpPr>
         <p:spPr>
           <a:xfrm>
-            <a:off x="5234795" y="5612984"/>
+            <a:off x="5238230" y="5316200"/>
             <a:ext cx="1771639" cy="923330"/>
           </a:xfrm>
           <a:prstGeom prst="rect">
@@ -6173,6 +6138,9 @@
   <p:clrMapOvr>
     <a:masterClrMapping/>
   </p:clrMapOvr>
+  <p:transition>
+    <p:push/>
+  </p:transition>
 </p:sld>
 </file>
 
@@ -6640,6 +6608,9 @@
   <p:clrMapOvr>
     <a:masterClrMapping/>
   </p:clrMapOvr>
+  <p:transition>
+    <p:push dir="u"/>
+  </p:transition>
 </p:sld>
 </file>
 
@@ -6674,7 +6645,7 @@
         </p:nvSpPr>
         <p:spPr>
           <a:xfrm>
-            <a:off x="12526" y="-1652"/>
+            <a:off x="169" y="-1652"/>
             <a:ext cx="3477006" cy="6858000"/>
           </a:xfrm>
           <a:prstGeom prst="rect">
@@ -7037,6 +7008,56 @@
         <p:blipFill rotWithShape="1">
           <a:blip r:embed="rId3">
             <a:extLst>
+              <a:ext uri="{BEBA8EAE-BF5A-486C-A8C5-ECC9F3942E4B}">
+                <a14:imgProps xmlns:a14="http://schemas.microsoft.com/office/drawing/2010/main">
+                  <a14:imgLayer r:embed="rId4">
+                    <a14:imgEffect>
+                      <a14:backgroundRemoval t="1105" b="98895" l="4355" r="99067">
+                        <a14:foregroundMark x1="69984" y1="41713" x2="75428" y2="24586"/>
+                        <a14:foregroundMark x1="75428" y1="24586" x2="82582" y2="15470"/>
+                        <a14:foregroundMark x1="82582" y1="15470" x2="81960" y2="16575"/>
+                        <a14:foregroundMark x1="79938" y1="19061" x2="85848" y2="7459"/>
+                        <a14:foregroundMark x1="85848" y1="7459" x2="97356" y2="12983"/>
+                        <a14:foregroundMark x1="97356" y1="12983" x2="88647" y2="17403"/>
+                        <a14:foregroundMark x1="88647" y1="17403" x2="86314" y2="14365"/>
+                        <a14:foregroundMark x1="87558" y1="14365" x2="96267" y2="16575"/>
+                        <a14:foregroundMark x1="83969" y1="29025" x2="80715" y2="32320"/>
+                        <a14:foregroundMark x1="85626" y1="27348" x2="84774" y2="28211"/>
+                        <a14:foregroundMark x1="96267" y1="16575" x2="86471" y2="26493"/>
+                        <a14:foregroundMark x1="80715" y1="32320" x2="76827" y2="30939"/>
+                        <a14:foregroundMark x1="90980" y1="6077" x2="86936" y2="3591"/>
+                        <a14:foregroundMark x1="96267" y1="14365" x2="99067" y2="1105"/>
+                        <a14:foregroundMark x1="19129" y1="81215" x2="9798" y2="86740"/>
+                        <a14:foregroundMark x1="9798" y1="86740" x2="21617" y2="84807"/>
+                        <a14:foregroundMark x1="21617" y1="84807" x2="12908" y2="75691"/>
+                        <a14:foregroundMark x1="12908" y1="75691" x2="6532" y2="91713"/>
+                        <a14:foregroundMark x1="6532" y1="91713" x2="15708" y2="95580"/>
+                        <a14:foregroundMark x1="15708" y1="95580" x2="23328" y2="88398"/>
+                        <a14:foregroundMark x1="23328" y1="88398" x2="11042" y2="83149"/>
+                        <a14:foregroundMark x1="11042" y1="83149" x2="23484" y2="89227"/>
+                        <a14:foregroundMark x1="23484" y1="89227" x2="23795" y2="84807"/>
+                        <a14:foregroundMark x1="11820" y1="97790" x2="2333" y2="95304"/>
+                        <a14:foregroundMark x1="2333" y1="95304" x2="17574" y2="96409"/>
+                        <a14:foregroundMark x1="17574" y1="96409" x2="4355" y2="98895"/>
+                        <a14:foregroundMark x1="23795" y1="63260" x2="23795" y2="29282"/>
+                        <a14:foregroundMark x1="23795" y1="29282" x2="34215" y2="21547"/>
+                        <a14:foregroundMark x1="34215" y1="21547" x2="68118" y2="22652"/>
+                        <a14:foregroundMark x1="68118" y1="22652" x2="76672" y2="27624"/>
+                        <a14:foregroundMark x1="76672" y1="27624" x2="77605" y2="42818"/>
+                        <a14:foregroundMark x1="77605" y1="42818" x2="77605" y2="59669"/>
+                        <a14:foregroundMark x1="77605" y1="59669" x2="71695" y2="72652"/>
+                        <a14:foregroundMark x1="71695" y1="72652" x2="21773" y2="74033"/>
+                        <a14:foregroundMark x1="68740" y1="23757" x2="72162" y2="22652"/>
+                        <a14:foregroundMark x1="68740" y1="21547" x2="71540" y2="22652"/>
+                        <a14:backgroundMark x1="82893" y1="26243" x2="82893" y2="26243"/>
+                        <a14:backgroundMark x1="85537" y1="27348" x2="85537" y2="27348"/>
+                        <a14:backgroundMark x1="86314" y1="26243" x2="85537" y2="27348"/>
+                        <a14:backgroundMark x1="84914" y1="28729" x2="83515" y2="27348"/>
+                      </a14:backgroundRemoval>
+                    </a14:imgEffect>
+                  </a14:imgLayer>
+                </a14:imgProps>
+              </a:ext>
               <a:ext uri="{28A0092B-C50C-407E-A947-70E740481C1C}">
                 <a14:useLocalDpi xmlns:a14="http://schemas.microsoft.com/office/drawing/2010/main" val="0"/>
               </a:ext>
@@ -7047,12 +7068,98 @@
         </p:blipFill>
         <p:spPr>
           <a:xfrm rot="16200000">
-            <a:off x="3406214" y="1062198"/>
-            <a:ext cx="5796147" cy="4670818"/>
+            <a:off x="4367008" y="372819"/>
+            <a:ext cx="3857516" cy="3108574"/>
           </a:xfrm>
           <a:prstGeom prst="rect">
             <a:avLst/>
           </a:prstGeom>
+          <a:ln>
+            <a:noFill/>
+          </a:ln>
+          <a:effectLst>
+            <a:outerShdw blurRad="292100" dist="139700" dir="2700000" algn="tl" rotWithShape="0">
+              <a:srgbClr val="333333">
+                <a:alpha val="65000"/>
+              </a:srgbClr>
+            </a:outerShdw>
+          </a:effectLst>
+        </p:spPr>
+      </p:pic>
+      <p:pic>
+        <p:nvPicPr>
+          <p:cNvPr id="6" name="Picture 5">
+            <a:extLst>
+              <a:ext uri="{FF2B5EF4-FFF2-40B4-BE49-F238E27FC236}">
+                <a16:creationId xmlns:a16="http://schemas.microsoft.com/office/drawing/2014/main" id="{71227030-CB91-4EF4-AE95-FDBAF37FD226}"/>
+              </a:ext>
+            </a:extLst>
+          </p:cNvPr>
+          <p:cNvPicPr/>
+          <p:nvPr/>
+        </p:nvPicPr>
+        <p:blipFill>
+          <a:blip r:embed="rId5">
+            <a:extLst>
+              <a:ext uri="{BEBA8EAE-BF5A-486C-A8C5-ECC9F3942E4B}">
+                <a14:imgProps xmlns:a14="http://schemas.microsoft.com/office/drawing/2010/main">
+                  <a14:imgLayer r:embed="rId6">
+                    <a14:imgEffect>
+                      <a14:backgroundRemoval t="9945" b="98619" l="3733" r="99222">
+                        <a14:foregroundMark x1="24106" y1="64088" x2="13219" y2="67680"/>
+                        <a14:foregroundMark x1="13219" y1="67680" x2="6376" y2="84807"/>
+                        <a14:foregroundMark x1="6376" y1="84807" x2="27216" y2="98619"/>
+                        <a14:foregroundMark x1="27216" y1="98619" x2="24883" y2="76519"/>
+                        <a14:foregroundMark x1="11975" y1="87569" x2="3733" y2="96961"/>
+                        <a14:foregroundMark x1="3733" y1="96961" x2="3733" y2="96961"/>
+                        <a14:foregroundMark x1="25505" y1="21823" x2="57854" y2="23204"/>
+                        <a14:foregroundMark x1="57854" y1="23204" x2="70451" y2="21823"/>
+                        <a14:foregroundMark x1="70451" y1="21823" x2="76672" y2="21823"/>
+                        <a14:foregroundMark x1="48834" y1="73757" x2="60342" y2="72376"/>
+                        <a14:foregroundMark x1="60342" y1="72376" x2="74495" y2="72376"/>
+                        <a14:foregroundMark x1="87247" y1="65470" x2="82582" y2="82320"/>
+                        <a14:foregroundMark x1="82582" y1="82320" x2="92535" y2="90055"/>
+                        <a14:foregroundMark x1="92535" y1="90055" x2="84137" y2="65470"/>
+                        <a14:foregroundMark x1="90202" y1="80663" x2="99222" y2="92818"/>
+                        <a14:foregroundMark x1="99222" y1="92818" x2="97045" y2="87569"/>
+                        <a14:foregroundMark x1="49611" y1="73757" x2="27372" y2="70994"/>
+                        <a14:foregroundMark x1="27372" y1="70994" x2="21773" y2="56077"/>
+                        <a14:foregroundMark x1="21773" y1="56077" x2="19751" y2="35359"/>
+                        <a14:foregroundMark x1="19751" y1="35359" x2="28771" y2="28453"/>
+                        <a14:foregroundMark x1="28771" y1="28453" x2="30016" y2="30110"/>
+                        <a14:foregroundMark x1="77449" y1="28729" x2="79627" y2="62707"/>
+                      </a14:backgroundRemoval>
+                    </a14:imgEffect>
+                  </a14:imgLayer>
+                </a14:imgProps>
+              </a:ext>
+              <a:ext uri="{28A0092B-C50C-407E-A947-70E740481C1C}">
+                <a14:useLocalDpi xmlns:a14="http://schemas.microsoft.com/office/drawing/2010/main" val="0"/>
+              </a:ext>
+            </a:extLst>
+          </a:blip>
+          <a:stretch>
+            <a:fillRect/>
+          </a:stretch>
+        </p:blipFill>
+        <p:spPr>
+          <a:xfrm>
+            <a:off x="3805879" y="4149738"/>
+            <a:ext cx="4930345" cy="2708262"/>
+          </a:xfrm>
+          <a:prstGeom prst="rect">
+            <a:avLst/>
+          </a:prstGeom>
+          <a:ln>
+            <a:noFill/>
+          </a:ln>
+          <a:effectLst>
+            <a:outerShdw blurRad="292100" dist="139700" dir="2700000" algn="tl" rotWithShape="0">
+              <a:srgbClr val="333333">
+                <a:alpha val="65000"/>
+              </a:srgbClr>
+            </a:outerShdw>
+          </a:effectLst>
         </p:spPr>
       </p:pic>
     </p:spTree>
@@ -7065,6 +7172,9 @@
   <p:clrMapOvr>
     <a:masterClrMapping/>
   </p:clrMapOvr>
+  <p:transition>
+    <p:push dir="u"/>
+  </p:transition>
 </p:sld>
 </file>
 
@@ -7191,6 +7301,9 @@
   <p:clrMapOvr>
     <a:masterClrMapping/>
   </p:clrMapOvr>
+  <p:transition spd="slow">
+    <p:push dir="u"/>
+  </p:transition>
 </p:sld>
 </file>
 
